--- a/Experiments/Part5-GameTheory/Producer-Consumer-Game/ProducerConsumerGames.pptx
+++ b/Experiments/Part5-GameTheory/Producer-Consumer-Game/ProducerConsumerGames.pptx
@@ -6,6 +6,8 @@
   </p:sldMasterIdLst>
   <p:sldIdLst>
     <p:sldId id="256" r:id="rId2"/>
+    <p:sldId id="257" r:id="rId3"/>
+    <p:sldId id="258" r:id="rId4"/>
   </p:sldIdLst>
   <p:sldSz cx="9144000" cy="6858000" type="screen4x3"/>
   <p:notesSz cx="6858000" cy="9144000"/>
@@ -288,7 +290,7 @@
           <a:p>
             <a:fld id="{F78BBD45-4AE2-0C4D-97E6-FB5CCD7E4E18}" type="datetimeFigureOut">
               <a:rPr lang="en-US" smtClean="0"/>
-              <a:t>2016-10-17</a:t>
+              <a:t>2016-10-20</a:t>
             </a:fld>
             <a:endParaRPr lang="en-US"/>
           </a:p>
@@ -458,7 +460,7 @@
           <a:p>
             <a:fld id="{F78BBD45-4AE2-0C4D-97E6-FB5CCD7E4E18}" type="datetimeFigureOut">
               <a:rPr lang="en-US" smtClean="0"/>
-              <a:t>2016-10-17</a:t>
+              <a:t>2016-10-20</a:t>
             </a:fld>
             <a:endParaRPr lang="en-US"/>
           </a:p>
@@ -638,7 +640,7 @@
           <a:p>
             <a:fld id="{F78BBD45-4AE2-0C4D-97E6-FB5CCD7E4E18}" type="datetimeFigureOut">
               <a:rPr lang="en-US" smtClean="0"/>
-              <a:t>2016-10-17</a:t>
+              <a:t>2016-10-20</a:t>
             </a:fld>
             <a:endParaRPr lang="en-US"/>
           </a:p>
@@ -808,7 +810,7 @@
           <a:p>
             <a:fld id="{F78BBD45-4AE2-0C4D-97E6-FB5CCD7E4E18}" type="datetimeFigureOut">
               <a:rPr lang="en-US" smtClean="0"/>
-              <a:t>2016-10-17</a:t>
+              <a:t>2016-10-20</a:t>
             </a:fld>
             <a:endParaRPr lang="en-US"/>
           </a:p>
@@ -1054,7 +1056,7 @@
           <a:p>
             <a:fld id="{F78BBD45-4AE2-0C4D-97E6-FB5CCD7E4E18}" type="datetimeFigureOut">
               <a:rPr lang="en-US" smtClean="0"/>
-              <a:t>2016-10-17</a:t>
+              <a:t>2016-10-20</a:t>
             </a:fld>
             <a:endParaRPr lang="en-US"/>
           </a:p>
@@ -1342,7 +1344,7 @@
           <a:p>
             <a:fld id="{F78BBD45-4AE2-0C4D-97E6-FB5CCD7E4E18}" type="datetimeFigureOut">
               <a:rPr lang="en-US" smtClean="0"/>
-              <a:t>2016-10-17</a:t>
+              <a:t>2016-10-20</a:t>
             </a:fld>
             <a:endParaRPr lang="en-US"/>
           </a:p>
@@ -1764,7 +1766,7 @@
           <a:p>
             <a:fld id="{F78BBD45-4AE2-0C4D-97E6-FB5CCD7E4E18}" type="datetimeFigureOut">
               <a:rPr lang="en-US" smtClean="0"/>
-              <a:t>2016-10-17</a:t>
+              <a:t>2016-10-20</a:t>
             </a:fld>
             <a:endParaRPr lang="en-US"/>
           </a:p>
@@ -1882,7 +1884,7 @@
           <a:p>
             <a:fld id="{F78BBD45-4AE2-0C4D-97E6-FB5CCD7E4E18}" type="datetimeFigureOut">
               <a:rPr lang="en-US" smtClean="0"/>
-              <a:t>2016-10-17</a:t>
+              <a:t>2016-10-20</a:t>
             </a:fld>
             <a:endParaRPr lang="en-US"/>
           </a:p>
@@ -1977,7 +1979,7 @@
           <a:p>
             <a:fld id="{F78BBD45-4AE2-0C4D-97E6-FB5CCD7E4E18}" type="datetimeFigureOut">
               <a:rPr lang="en-US" smtClean="0"/>
-              <a:t>2016-10-17</a:t>
+              <a:t>2016-10-20</a:t>
             </a:fld>
             <a:endParaRPr lang="en-US"/>
           </a:p>
@@ -2254,7 +2256,7 @@
           <a:p>
             <a:fld id="{F78BBD45-4AE2-0C4D-97E6-FB5CCD7E4E18}" type="datetimeFigureOut">
               <a:rPr lang="en-US" smtClean="0"/>
-              <a:t>2016-10-17</a:t>
+              <a:t>2016-10-20</a:t>
             </a:fld>
             <a:endParaRPr lang="en-US"/>
           </a:p>
@@ -2507,7 +2509,7 @@
           <a:p>
             <a:fld id="{F78BBD45-4AE2-0C4D-97E6-FB5CCD7E4E18}" type="datetimeFigureOut">
               <a:rPr lang="en-US" smtClean="0"/>
-              <a:t>2016-10-17</a:t>
+              <a:t>2016-10-20</a:t>
             </a:fld>
             <a:endParaRPr lang="en-US"/>
           </a:p>
@@ -2720,7 +2722,7 @@
           <a:p>
             <a:fld id="{F78BBD45-4AE2-0C4D-97E6-FB5CCD7E4E18}" type="datetimeFigureOut">
               <a:rPr lang="en-US" smtClean="0"/>
-              <a:t>2016-10-17</a:t>
+              <a:t>2016-10-20</a:t>
             </a:fld>
             <a:endParaRPr lang="en-US"/>
           </a:p>
@@ -3104,14 +3106,14 @@
           <p:nvPr>
             <p:extLst>
               <p:ext uri="{D42A27DB-BD31-4B8C-83A1-F6EECF244321}">
-                <p14:modId xmlns:p14="http://schemas.microsoft.com/office/powerpoint/2010/main" val="2088260392"/>
+                <p14:modId xmlns:p14="http://schemas.microsoft.com/office/powerpoint/2010/main" val="3531052153"/>
               </p:ext>
             </p:extLst>
           </p:nvPr>
         </p:nvGraphicFramePr>
         <p:xfrm>
-          <a:off x="230908" y="46183"/>
-          <a:ext cx="13184911" cy="6044488"/>
+          <a:off x="1949528" y="1718993"/>
+          <a:ext cx="5365672" cy="3214487"/>
         </p:xfrm>
         <a:graphic>
           <a:graphicData uri="http://schemas.openxmlformats.org/drawingml/2006/table">
@@ -3120,23 +3122,12 @@
                 <a:tableStyleId>{5C22544A-7EE6-4342-B048-85BDC9FD1C3A}</a:tableStyleId>
               </a:tblPr>
               <a:tblGrid>
-                <a:gridCol w="2475249"/>
-                <a:gridCol w="2798716"/>
-                <a:gridCol w="2636982"/>
-                <a:gridCol w="2636982"/>
-                <a:gridCol w="2636982"/>
+                <a:gridCol w="1773841"/>
+                <a:gridCol w="1230935"/>
+                <a:gridCol w="1234105"/>
+                <a:gridCol w="1126791"/>
               </a:tblGrid>
-              <a:tr h="1221268">
-                <a:tc>
-                  <a:txBody>
-                    <a:bodyPr/>
-                    <a:lstStyle/>
-                    <a:p>
-                      <a:endParaRPr lang="en-US" dirty="0"/>
-                    </a:p>
-                  </a:txBody>
-                  <a:tcPr/>
-                </a:tc>
+              <a:tr h="2019702">
                 <a:tc>
                   <a:txBody>
                     <a:bodyPr/>
@@ -3144,266 +3135,8 @@
                     <a:p>
                       <a:r>
                         <a:rPr lang="en-US" dirty="0" smtClean="0"/>
-                        <a:t>Major Consumer</a:t>
+                        <a:t>producer (Mix, Major doc-pop)</a:t>
                       </a:r>
-                      <a:r>
-                        <a:rPr lang="en-US" baseline="0" dirty="0" smtClean="0"/>
-                        <a:t> </a:t>
-                      </a:r>
-                      <a:r>
-                        <a:rPr lang="en-US" dirty="0" smtClean="0"/>
-                        <a:t>Document-popularity</a:t>
-                      </a:r>
-                      <a:endParaRPr lang="en-US" dirty="0"/>
-                    </a:p>
-                  </a:txBody>
-                  <a:tcPr/>
-                </a:tc>
-                <a:tc>
-                  <a:txBody>
-                    <a:bodyPr/>
-                    <a:lstStyle/>
-                    <a:p>
-                      <a:r>
-                        <a:rPr lang="en-US" dirty="0" smtClean="0"/>
-                        <a:t>Major Consumer</a:t>
-                      </a:r>
-                    </a:p>
-                    <a:p>
-                      <a:r>
-                        <a:rPr lang="en-US" dirty="0" smtClean="0"/>
-                        <a:t>Peer-like-similarity</a:t>
-                      </a:r>
-                    </a:p>
-                    <a:p>
-                      <a:endParaRPr lang="en-US" dirty="0"/>
-                    </a:p>
-                  </a:txBody>
-                  <a:tcPr/>
-                </a:tc>
-                <a:tc>
-                  <a:txBody>
-                    <a:bodyPr/>
-                    <a:lstStyle/>
-                    <a:p>
-                      <a:pPr marL="0" marR="0" indent="0" algn="l" defTabSz="457200" rtl="0" eaLnBrk="1" fontAlgn="auto" latinLnBrk="0" hangingPunct="1">
-                        <a:lnSpc>
-                          <a:spcPct val="100000"/>
-                        </a:lnSpc>
-                        <a:spcBef>
-                          <a:spcPts val="0"/>
-                        </a:spcBef>
-                        <a:spcAft>
-                          <a:spcPts val="0"/>
-                        </a:spcAft>
-                        <a:buClrTx/>
-                        <a:buSzTx/>
-                        <a:buFontTx/>
-                        <a:buNone/>
-                        <a:tabLst/>
-                        <a:defRPr/>
-                      </a:pPr>
-                      <a:r>
-                        <a:rPr lang="en-US" dirty="0" smtClean="0"/>
-                        <a:t>Major Consumer</a:t>
-                      </a:r>
-                      <a:r>
-                        <a:rPr lang="en-US" baseline="0" dirty="0" smtClean="0"/>
-                        <a:t> </a:t>
-                      </a:r>
-                      <a:r>
-                        <a:rPr lang="en-US" dirty="0" smtClean="0"/>
-                        <a:t>Document-popularity</a:t>
-                      </a:r>
-                    </a:p>
-                    <a:p>
-                      <a:endParaRPr lang="en-US" dirty="0"/>
-                    </a:p>
-                  </a:txBody>
-                  <a:tcPr/>
-                </a:tc>
-                <a:tc>
-                  <a:txBody>
-                    <a:bodyPr/>
-                    <a:lstStyle/>
-                    <a:p>
-                      <a:r>
-                        <a:rPr lang="en-US" dirty="0" smtClean="0"/>
-                        <a:t>Major Consumer</a:t>
-                      </a:r>
-                    </a:p>
-                    <a:p>
-                      <a:r>
-                        <a:rPr lang="en-US" dirty="0" smtClean="0"/>
-                        <a:t>Peer-like-similarity</a:t>
-                      </a:r>
-                    </a:p>
-                    <a:p>
-                      <a:endParaRPr lang="en-US" dirty="0"/>
-                    </a:p>
-                  </a:txBody>
-                  <a:tcPr/>
-                </a:tc>
-              </a:tr>
-              <a:tr h="1231771">
-                <a:tc>
-                  <a:txBody>
-                    <a:bodyPr/>
-                    <a:lstStyle/>
-                    <a:p>
-                      <a:pPr marL="0" marR="0" indent="0" algn="l" defTabSz="457200" rtl="0" eaLnBrk="1" fontAlgn="auto" latinLnBrk="0" hangingPunct="1">
-                        <a:lnSpc>
-                          <a:spcPct val="100000"/>
-                        </a:lnSpc>
-                        <a:spcBef>
-                          <a:spcPts val="0"/>
-                        </a:spcBef>
-                        <a:spcAft>
-                          <a:spcPts val="0"/>
-                        </a:spcAft>
-                        <a:buClrTx/>
-                        <a:buSzTx/>
-                        <a:buFontTx/>
-                        <a:buNone/>
-                        <a:tabLst/>
-                        <a:defRPr/>
-                      </a:pPr>
-                      <a:r>
-                        <a:rPr lang="en-US" dirty="0" smtClean="0"/>
-                        <a:t>Minor Consumer</a:t>
-                      </a:r>
-                      <a:r>
-                        <a:rPr lang="en-US" baseline="0" dirty="0" smtClean="0"/>
-                        <a:t> </a:t>
-                      </a:r>
-                      <a:r>
-                        <a:rPr lang="en-US" dirty="0" smtClean="0"/>
-                        <a:t>Document-popularity</a:t>
-                      </a:r>
-                    </a:p>
-                    <a:p>
-                      <a:endParaRPr lang="en-US" dirty="0"/>
-                    </a:p>
-                  </a:txBody>
-                  <a:tcPr/>
-                </a:tc>
-                <a:tc>
-                  <a:txBody>
-                    <a:bodyPr/>
-                    <a:lstStyle/>
-                    <a:p>
-                      <a:endParaRPr lang="en-US"/>
-                    </a:p>
-                  </a:txBody>
-                  <a:tcPr/>
-                </a:tc>
-                <a:tc>
-                  <a:txBody>
-                    <a:bodyPr/>
-                    <a:lstStyle/>
-                    <a:p>
-                      <a:endParaRPr lang="en-US"/>
-                    </a:p>
-                  </a:txBody>
-                  <a:tcPr/>
-                </a:tc>
-                <a:tc>
-                  <a:txBody>
-                    <a:bodyPr/>
-                    <a:lstStyle/>
-                    <a:p>
-                      <a:endParaRPr lang="en-US" dirty="0"/>
-                    </a:p>
-                  </a:txBody>
-                  <a:tcPr/>
-                </a:tc>
-                <a:tc>
-                  <a:txBody>
-                    <a:bodyPr/>
-                    <a:lstStyle/>
-                    <a:p>
-                      <a:endParaRPr lang="en-US"/>
-                    </a:p>
-                  </a:txBody>
-                  <a:tcPr/>
-                </a:tc>
-              </a:tr>
-              <a:tr h="1231771">
-                <a:tc>
-                  <a:txBody>
-                    <a:bodyPr/>
-                    <a:lstStyle/>
-                    <a:p>
-                      <a:r>
-                        <a:rPr lang="en-US" dirty="0" smtClean="0"/>
-                        <a:t>Minor</a:t>
-                      </a:r>
-                    </a:p>
-                    <a:p>
-                      <a:r>
-                        <a:rPr lang="en-US" dirty="0" smtClean="0"/>
-                        <a:t>Consumer</a:t>
-                      </a:r>
-                    </a:p>
-                    <a:p>
-                      <a:r>
-                        <a:rPr lang="en-US" dirty="0" smtClean="0"/>
-                        <a:t>Peer-like-similarity</a:t>
-                      </a:r>
-                    </a:p>
-                    <a:p>
-                      <a:endParaRPr lang="en-US" dirty="0"/>
-                    </a:p>
-                  </a:txBody>
-                  <a:tcPr/>
-                </a:tc>
-                <a:tc>
-                  <a:txBody>
-                    <a:bodyPr/>
-                    <a:lstStyle/>
-                    <a:p>
-                      <a:endParaRPr lang="en-US"/>
-                    </a:p>
-                  </a:txBody>
-                  <a:tcPr/>
-                </a:tc>
-                <a:tc>
-                  <a:txBody>
-                    <a:bodyPr/>
-                    <a:lstStyle/>
-                    <a:p>
-                      <a:endParaRPr lang="en-US" dirty="0"/>
-                    </a:p>
-                  </a:txBody>
-                  <a:tcPr/>
-                </a:tc>
-                <a:tc>
-                  <a:txBody>
-                    <a:bodyPr/>
-                    <a:lstStyle/>
-                    <a:p>
-                      <a:endParaRPr lang="en-US" dirty="0"/>
-                    </a:p>
-                  </a:txBody>
-                  <a:tcPr/>
-                </a:tc>
-                <a:tc>
-                  <a:txBody>
-                    <a:bodyPr/>
-                    <a:lstStyle/>
-                    <a:p>
-                      <a:endParaRPr lang="en-US"/>
-                    </a:p>
-                  </a:txBody>
-                  <a:tcPr/>
-                </a:tc>
-              </a:tr>
-              <a:tr h="1170958">
-                <a:tc>
-                  <a:txBody>
-                    <a:bodyPr/>
-                    <a:lstStyle/>
-                    <a:p>
                       <a:endParaRPr lang="en-US" dirty="0"/>
                     </a:p>
                   </a:txBody>
@@ -3418,83 +3151,18 @@
                         <a:rPr lang="en-US" dirty="0" smtClean="0"/>
                         <a:t>Producer</a:t>
                       </a:r>
-                      <a:r>
-                        <a:rPr lang="en-US" baseline="0" dirty="0" smtClean="0"/>
-                        <a:t> </a:t>
-                      </a:r>
                     </a:p>
                     <a:p>
                       <a:r>
-                        <a:rPr lang="en-US" baseline="0" dirty="0" smtClean="0"/>
-                        <a:t>Match with major taste</a:t>
-                      </a:r>
-                      <a:endParaRPr lang="en-US" dirty="0" smtClean="0"/>
-                    </a:p>
-                  </a:txBody>
-                  <a:tcPr/>
-                </a:tc>
-                <a:tc>
-                  <a:txBody>
-                    <a:bodyPr/>
-                    <a:lstStyle/>
-                    <a:p>
-                      <a:r>
                         <a:rPr lang="en-US" dirty="0" smtClean="0"/>
-                        <a:t>Producer </a:t>
+                        <a:t>(Mix, Minor</a:t>
                       </a:r>
                     </a:p>
                     <a:p>
                       <a:r>
                         <a:rPr lang="en-US" dirty="0" smtClean="0"/>
-                        <a:t>Match</a:t>
+                        <a:t> doc-pop</a:t>
                       </a:r>
-                      <a:r>
-                        <a:rPr lang="en-US" baseline="0" dirty="0" smtClean="0"/>
-                        <a:t> with </a:t>
-                      </a:r>
-                    </a:p>
-                    <a:p>
-                      <a:r>
-                        <a:rPr lang="en-US" baseline="0" dirty="0" smtClean="0"/>
-                        <a:t>Minor taste </a:t>
-                      </a:r>
-                      <a:endParaRPr lang="en-US" dirty="0"/>
-                    </a:p>
-                  </a:txBody>
-                  <a:tcPr/>
-                </a:tc>
-                <a:tc>
-                  <a:txBody>
-                    <a:bodyPr/>
-                    <a:lstStyle/>
-                    <a:p>
-                      <a:r>
-                        <a:rPr lang="en-US" dirty="0" smtClean="0"/>
-                        <a:t> </a:t>
-                      </a:r>
-                      <a:r>
-                        <a:rPr lang="en-US" dirty="0" smtClean="0"/>
-                        <a:t>Producer </a:t>
-                      </a:r>
-                    </a:p>
-                    <a:p>
-                      <a:r>
-                        <a:rPr lang="en-US" dirty="0" smtClean="0"/>
-                        <a:t>Match</a:t>
-                      </a:r>
-                      <a:r>
-                        <a:rPr lang="en-US" baseline="0" dirty="0" smtClean="0"/>
-                        <a:t> with </a:t>
-                      </a:r>
-                    </a:p>
-                    <a:p>
-                      <a:r>
-                        <a:rPr lang="en-US" baseline="0" dirty="0" smtClean="0"/>
-                        <a:t>Minor taste </a:t>
-                      </a:r>
-                      <a:endParaRPr lang="en-US" dirty="0" smtClean="0"/>
-                    </a:p>
-                    <a:p>
                       <a:endParaRPr lang="en-US" dirty="0"/>
                     </a:p>
                   </a:txBody>
@@ -3509,31 +3177,12 @@
                         <a:rPr lang="en-US" dirty="0" smtClean="0"/>
                         <a:t>Producer</a:t>
                       </a:r>
-                      <a:r>
-                        <a:rPr lang="en-US" baseline="0" dirty="0" smtClean="0"/>
-                        <a:t> </a:t>
-                      </a:r>
                     </a:p>
                     <a:p>
                       <a:r>
-                        <a:rPr lang="en-US" baseline="0" dirty="0" smtClean="0"/>
-                        <a:t>Match with major taste</a:t>
+                        <a:rPr lang="en-US" dirty="0" smtClean="0"/>
+                        <a:t>Mix, Minor Peer-like-similarity</a:t>
                       </a:r>
-                      <a:endParaRPr lang="en-US" dirty="0" smtClean="0"/>
-                    </a:p>
-                    <a:p>
-                      <a:endParaRPr lang="en-US" dirty="0"/>
-                    </a:p>
-                  </a:txBody>
-                  <a:tcPr/>
-                </a:tc>
-              </a:tr>
-              <a:tr h="1170958">
-                <a:tc>
-                  <a:txBody>
-                    <a:bodyPr/>
-                    <a:lstStyle/>
-                    <a:p>
                       <a:endParaRPr lang="en-US" dirty="0"/>
                     </a:p>
                   </a:txBody>
@@ -3544,16 +3193,34 @@
                     <a:bodyPr/>
                     <a:lstStyle/>
                     <a:p>
-                      <a:endParaRPr lang="en-US"/>
+                      <a:r>
+                        <a:rPr lang="en-US" dirty="0" smtClean="0"/>
+                        <a:t>Producer</a:t>
+                      </a:r>
+                    </a:p>
+                    <a:p>
+                      <a:r>
+                        <a:rPr lang="en-US" dirty="0" smtClean="0"/>
+                        <a:t>Mix, Minor Peer-like-similarity</a:t>
+                      </a:r>
+                    </a:p>
+                    <a:p>
+                      <a:endParaRPr lang="en-US" dirty="0"/>
                     </a:p>
                   </a:txBody>
                   <a:tcPr/>
                 </a:tc>
+              </a:tr>
+              <a:tr h="1194785">
                 <a:tc>
                   <a:txBody>
                     <a:bodyPr/>
                     <a:lstStyle/>
                     <a:p>
+                      <a:r>
+                        <a:rPr lang="en-US" dirty="0" smtClean="0"/>
+                        <a:t>188281</a:t>
+                      </a:r>
                       <a:endParaRPr lang="en-US" dirty="0"/>
                     </a:p>
                   </a:txBody>
@@ -3564,7 +3231,11 @@
                     <a:bodyPr/>
                     <a:lstStyle/>
                     <a:p>
-                      <a:endParaRPr lang="en-US"/>
+                      <a:r>
+                        <a:rPr lang="en-US" dirty="0" smtClean="0"/>
+                        <a:t>76246</a:t>
+                      </a:r>
+                      <a:endParaRPr lang="en-US" dirty="0"/>
                     </a:p>
                   </a:txBody>
                   <a:tcPr/>
@@ -3574,6 +3245,24 @@
                     <a:bodyPr/>
                     <a:lstStyle/>
                     <a:p>
+                      <a:r>
+                        <a:rPr lang="en-US" dirty="0" smtClean="0"/>
+                        <a:t>207780</a:t>
+                      </a:r>
+                      <a:endParaRPr lang="en-US" dirty="0"/>
+                    </a:p>
+                  </a:txBody>
+                  <a:tcPr/>
+                </a:tc>
+                <a:tc>
+                  <a:txBody>
+                    <a:bodyPr/>
+                    <a:lstStyle/>
+                    <a:p>
+                      <a:r>
+                        <a:rPr lang="en-US" dirty="0" smtClean="0"/>
+                        <a:t> 493971</a:t>
+                      </a:r>
                       <a:endParaRPr lang="en-US" dirty="0"/>
                     </a:p>
                   </a:txBody>
@@ -3584,10 +3273,258 @@
           </a:graphicData>
         </a:graphic>
       </p:graphicFrame>
+      <p:sp>
+        <p:nvSpPr>
+          <p:cNvPr id="6" name="TextBox 5"/>
+          <p:cNvSpPr txBox="1"/>
+          <p:nvPr/>
+        </p:nvSpPr>
+        <p:spPr>
+          <a:xfrm>
+            <a:off x="2289353" y="847085"/>
+            <a:ext cx="5078083" cy="523220"/>
+          </a:xfrm>
+          <a:prstGeom prst="rect">
+            <a:avLst/>
+          </a:prstGeom>
+          <a:noFill/>
+        </p:spPr>
+        <p:txBody>
+          <a:bodyPr wrap="none" rtlCol="0">
+            <a:spAutoFit/>
+          </a:bodyPr>
+          <a:lstStyle/>
+          <a:p>
+            <a:r>
+              <a:rPr lang="en-US" sz="2800" b="1" dirty="0" smtClean="0"/>
+              <a:t>Mix – doc-pop and  peer-like-</a:t>
+            </a:r>
+            <a:r>
+              <a:rPr lang="en-US" sz="2800" b="1" dirty="0" err="1" smtClean="0"/>
+              <a:t>sim</a:t>
+            </a:r>
+            <a:endParaRPr lang="en-US" sz="2800" b="1" dirty="0"/>
+          </a:p>
+        </p:txBody>
+      </p:sp>
     </p:spTree>
     <p:extLst>
       <p:ext uri="{BB962C8B-B14F-4D97-AF65-F5344CB8AC3E}">
-        <p14:creationId xmlns:p14="http://schemas.microsoft.com/office/powerpoint/2010/main" val="3235777195"/>
+        <p14:creationId xmlns:p14="http://schemas.microsoft.com/office/powerpoint/2010/main" val="1599024254"/>
+      </p:ext>
+    </p:extLst>
+  </p:cSld>
+  <p:clrMapOvr>
+    <a:masterClrMapping/>
+  </p:clrMapOvr>
+</p:sld>
+</file>
+
+<file path=ppt/slides/slide2.xml><?xml version="1.0" encoding="utf-8"?>
+<p:sld xmlns:a="http://schemas.openxmlformats.org/drawingml/2006/main" xmlns:r="http://schemas.openxmlformats.org/officeDocument/2006/relationships" xmlns:p="http://schemas.openxmlformats.org/presentationml/2006/main">
+  <p:cSld>
+    <p:spTree>
+      <p:nvGrpSpPr>
+        <p:cNvPr id="1" name=""/>
+        <p:cNvGrpSpPr/>
+        <p:nvPr/>
+      </p:nvGrpSpPr>
+      <p:grpSpPr>
+        <a:xfrm>
+          <a:off x="0" y="0"/>
+          <a:ext cx="0" cy="0"/>
+          <a:chOff x="0" y="0"/>
+          <a:chExt cx="0" cy="0"/>
+        </a:xfrm>
+      </p:grpSpPr>
+      <p:sp>
+        <p:nvSpPr>
+          <p:cNvPr id="2" name="Title 1"/>
+          <p:cNvSpPr>
+            <a:spLocks noGrp="1"/>
+          </p:cNvSpPr>
+          <p:nvPr>
+            <p:ph type="title"/>
+          </p:nvPr>
+        </p:nvSpPr>
+        <p:spPr/>
+        <p:txBody>
+          <a:bodyPr/>
+          <a:lstStyle/>
+          <a:p>
+            <a:r>
+              <a:rPr lang="en-US" dirty="0" smtClean="0"/>
+              <a:t>Doc Pop (Major-Minor)</a:t>
+            </a:r>
+            <a:endParaRPr lang="en-US" dirty="0"/>
+          </a:p>
+        </p:txBody>
+      </p:sp>
+      <p:sp>
+        <p:nvSpPr>
+          <p:cNvPr id="3" name="Content Placeholder 2"/>
+          <p:cNvSpPr>
+            <a:spLocks noGrp="1"/>
+          </p:cNvSpPr>
+          <p:nvPr>
+            <p:ph idx="1"/>
+          </p:nvPr>
+        </p:nvSpPr>
+        <p:spPr/>
+        <p:txBody>
+          <a:bodyPr/>
+          <a:lstStyle/>
+          <a:p>
+            <a:pPr fontAlgn="t"/>
+            <a:r>
+              <a:rPr lang="en-US" b="1" dirty="0"/>
+              <a:t>Producer (Minor doc-pop</a:t>
+            </a:r>
+            <a:r>
+              <a:rPr lang="en-US" b="1" dirty="0" smtClean="0"/>
+              <a:t>) : </a:t>
+            </a:r>
+            <a:r>
+              <a:rPr lang="en-US" dirty="0"/>
+              <a:t>112817</a:t>
+            </a:r>
+          </a:p>
+          <a:p>
+            <a:pPr fontAlgn="t"/>
+            <a:endParaRPr lang="en-US" dirty="0"/>
+          </a:p>
+          <a:p>
+            <a:pPr fontAlgn="t"/>
+            <a:r>
+              <a:rPr lang="en-US" b="1" dirty="0" smtClean="0"/>
+              <a:t>producer (Major doc-pop)</a:t>
+            </a:r>
+            <a:r>
+              <a:rPr lang="en-US" dirty="0" smtClean="0"/>
+              <a:t>: </a:t>
+            </a:r>
+            <a:r>
+              <a:rPr lang="en-US" dirty="0"/>
+              <a:t>164763</a:t>
+            </a:r>
+          </a:p>
+          <a:p>
+            <a:pPr fontAlgn="t"/>
+            <a:endParaRPr lang="en-US" dirty="0" smtClean="0"/>
+          </a:p>
+        </p:txBody>
+      </p:sp>
+    </p:spTree>
+    <p:extLst>
+      <p:ext uri="{BB962C8B-B14F-4D97-AF65-F5344CB8AC3E}">
+        <p14:creationId xmlns:p14="http://schemas.microsoft.com/office/powerpoint/2010/main" val="2568324557"/>
+      </p:ext>
+    </p:extLst>
+  </p:cSld>
+  <p:clrMapOvr>
+    <a:masterClrMapping/>
+  </p:clrMapOvr>
+</p:sld>
+</file>
+
+<file path=ppt/slides/slide3.xml><?xml version="1.0" encoding="utf-8"?>
+<p:sld xmlns:a="http://schemas.openxmlformats.org/drawingml/2006/main" xmlns:r="http://schemas.openxmlformats.org/officeDocument/2006/relationships" xmlns:p="http://schemas.openxmlformats.org/presentationml/2006/main">
+  <p:cSld>
+    <p:spTree>
+      <p:nvGrpSpPr>
+        <p:cNvPr id="1" name=""/>
+        <p:cNvGrpSpPr/>
+        <p:nvPr/>
+      </p:nvGrpSpPr>
+      <p:grpSpPr>
+        <a:xfrm>
+          <a:off x="0" y="0"/>
+          <a:ext cx="0" cy="0"/>
+          <a:chOff x="0" y="0"/>
+          <a:chExt cx="0" cy="0"/>
+        </a:xfrm>
+      </p:grpSpPr>
+      <p:sp>
+        <p:nvSpPr>
+          <p:cNvPr id="2" name="Title 1"/>
+          <p:cNvSpPr>
+            <a:spLocks noGrp="1"/>
+          </p:cNvSpPr>
+          <p:nvPr>
+            <p:ph type="title"/>
+          </p:nvPr>
+        </p:nvSpPr>
+        <p:spPr/>
+        <p:txBody>
+          <a:bodyPr/>
+          <a:lstStyle/>
+          <a:p>
+            <a:r>
+              <a:rPr lang="en-US" dirty="0" smtClean="0"/>
+              <a:t>Doc-pop (One taste)</a:t>
+            </a:r>
+            <a:endParaRPr lang="en-US" dirty="0"/>
+          </a:p>
+        </p:txBody>
+      </p:sp>
+      <p:sp>
+        <p:nvSpPr>
+          <p:cNvPr id="3" name="Content Placeholder 2"/>
+          <p:cNvSpPr>
+            <a:spLocks noGrp="1"/>
+          </p:cNvSpPr>
+          <p:nvPr>
+            <p:ph idx="1"/>
+          </p:nvPr>
+        </p:nvSpPr>
+        <p:spPr/>
+        <p:txBody>
+          <a:bodyPr/>
+          <a:lstStyle/>
+          <a:p>
+            <a:pPr fontAlgn="t"/>
+            <a:r>
+              <a:rPr lang="en-US" b="1" dirty="0"/>
+              <a:t>Producer (same </a:t>
+            </a:r>
+            <a:r>
+              <a:rPr lang="en-US" b="1" dirty="0" smtClean="0"/>
+              <a:t>taste) :</a:t>
+            </a:r>
+            <a:r>
+              <a:rPr lang="en-US" dirty="0" smtClean="0"/>
+              <a:t>711593</a:t>
+            </a:r>
+          </a:p>
+          <a:p>
+            <a:pPr fontAlgn="t"/>
+            <a:endParaRPr lang="en-US" dirty="0"/>
+          </a:p>
+          <a:p>
+            <a:pPr fontAlgn="t"/>
+            <a:r>
+              <a:rPr lang="en-US" b="1" dirty="0"/>
+              <a:t>producer (opposite </a:t>
+            </a:r>
+            <a:r>
+              <a:rPr lang="en-US" b="1" dirty="0" smtClean="0"/>
+              <a:t>taste)</a:t>
+            </a:r>
+            <a:r>
+              <a:rPr lang="en-US" dirty="0" smtClean="0"/>
+              <a:t>: 0</a:t>
+            </a:r>
+            <a:endParaRPr lang="en-US" dirty="0"/>
+          </a:p>
+          <a:p>
+            <a:endParaRPr lang="en-US" dirty="0"/>
+          </a:p>
+        </p:txBody>
+      </p:sp>
+    </p:spTree>
+    <p:extLst>
+      <p:ext uri="{BB962C8B-B14F-4D97-AF65-F5344CB8AC3E}">
+        <p14:creationId xmlns:p14="http://schemas.microsoft.com/office/powerpoint/2010/main" val="2719859824"/>
       </p:ext>
     </p:extLst>
   </p:cSld>
